--- a/课程PPT/02.JS数据类型、值与类型转换.pptx
+++ b/课程PPT/02.JS数据类型、值与类型转换.pptx
@@ -5,27 +5,27 @@
     <p:sldMasterId id="2147483648" r:id="rId1"/>
   </p:sldMasterIdLst>
   <p:notesMasterIdLst>
-    <p:notesMasterId r:id="rId20"/>
+    <p:notesMasterId r:id="rId4"/>
   </p:notesMasterIdLst>
   <p:sldIdLst>
-    <p:sldId id="883" r:id="rId2"/>
-    <p:sldId id="1065" r:id="rId3"/>
-    <p:sldId id="884" r:id="rId4"/>
-    <p:sldId id="991" r:id="rId5"/>
-    <p:sldId id="891" r:id="rId6"/>
-    <p:sldId id="1127" r:id="rId7"/>
-    <p:sldId id="1066" r:id="rId8"/>
-    <p:sldId id="1037" r:id="rId9"/>
-    <p:sldId id="1071" r:id="rId10"/>
-    <p:sldId id="1072" r:id="rId11"/>
-    <p:sldId id="1096" r:id="rId12"/>
-    <p:sldId id="1129" r:id="rId13"/>
-    <p:sldId id="1130" r:id="rId14"/>
-    <p:sldId id="1131" r:id="rId15"/>
-    <p:sldId id="927" r:id="rId16"/>
-    <p:sldId id="929" r:id="rId17"/>
-    <p:sldId id="1025" r:id="rId18"/>
-    <p:sldId id="897" r:id="rId19"/>
+    <p:sldId id="883" r:id="rId3"/>
+    <p:sldId id="1065" r:id="rId5"/>
+    <p:sldId id="884" r:id="rId6"/>
+    <p:sldId id="991" r:id="rId7"/>
+    <p:sldId id="891" r:id="rId8"/>
+    <p:sldId id="1127" r:id="rId9"/>
+    <p:sldId id="1066" r:id="rId10"/>
+    <p:sldId id="1037" r:id="rId11"/>
+    <p:sldId id="1071" r:id="rId12"/>
+    <p:sldId id="1072" r:id="rId13"/>
+    <p:sldId id="1096" r:id="rId14"/>
+    <p:sldId id="1129" r:id="rId15"/>
+    <p:sldId id="1130" r:id="rId16"/>
+    <p:sldId id="1131" r:id="rId17"/>
+    <p:sldId id="927" r:id="rId18"/>
+    <p:sldId id="929" r:id="rId19"/>
+    <p:sldId id="1025" r:id="rId20"/>
+    <p:sldId id="897" r:id="rId21"/>
   </p:sldIdLst>
   <p:sldSz cx="12192000" cy="6858000"/>
   <p:notesSz cx="6797675" cy="9928225"/>
@@ -342,6 +342,7 @@
               <a:rPr lang="zh-CN" altLang="zh-CN" noProof="0" smtClean="0"/>
               <a:t>                                                   </a:t>
             </a:r>
+            <a:endParaRPr lang="zh-CN" altLang="zh-CN" noProof="0" smtClean="0"/>
           </a:p>
           <a:p>
             <a:pPr lvl="1"/>
@@ -349,6 +350,7 @@
               <a:rPr lang="zh-CN" altLang="zh-CN" noProof="0" smtClean="0"/>
               <a:t>               </a:t>
             </a:r>
+            <a:endParaRPr lang="zh-CN" altLang="zh-CN" noProof="0" smtClean="0"/>
           </a:p>
           <a:p>
             <a:pPr lvl="2"/>
@@ -356,6 +358,7 @@
               <a:rPr lang="zh-CN" altLang="zh-CN" noProof="0" smtClean="0"/>
               <a:t>                </a:t>
             </a:r>
+            <a:endParaRPr lang="zh-CN" altLang="zh-CN" noProof="0" smtClean="0"/>
           </a:p>
           <a:p>
             <a:pPr lvl="3"/>
@@ -363,6 +366,7 @@
               <a:rPr lang="zh-CN" altLang="zh-CN" noProof="0" smtClean="0"/>
               <a:t>                </a:t>
             </a:r>
+            <a:endParaRPr lang="zh-CN" altLang="zh-CN" noProof="0" smtClean="0"/>
           </a:p>
           <a:p>
             <a:pPr lvl="4"/>
@@ -370,6 +374,7 @@
               <a:rPr lang="zh-CN" altLang="zh-CN" noProof="0" smtClean="0"/>
               <a:t>                </a:t>
             </a:r>
+            <a:endParaRPr lang="zh-CN" altLang="zh-CN" noProof="0" smtClean="0"/>
           </a:p>
         </p:txBody>
       </p:sp>
@@ -455,18 +460,12 @@
             </a:pPr>
             <a:fld id="{50FA7BE5-9B7D-4F20-881C-9A0B90E6FF72}" type="slidenum">
               <a:rPr lang="zh-CN" altLang="zh-CN"/>
-              <a:t>‹#›</a:t>
             </a:fld>
             <a:endParaRPr lang="zh-CN" altLang="zh-CN"/>
           </a:p>
         </p:txBody>
       </p:sp>
     </p:spTree>
-    <p:extLst>
-      <p:ext uri="{BB962C8B-B14F-4D97-AF65-F5344CB8AC3E}">
-        <p14:creationId xmlns:p14="http://schemas.microsoft.com/office/powerpoint/2010/main" val="3326106368"/>
-      </p:ext>
-    </p:extLst>
   </p:cSld>
   <p:clrMap bg1="lt1" tx1="dk1" bg2="lt2" tx2="dk2" accent1="accent1" accent2="accent2" accent3="accent3" accent4="accent4" accent5="accent5" accent6="accent6" hlink="hlink" folHlink="folHlink"/>
   <p:notesStyle>
@@ -662,7 +661,6 @@
             </a:pPr>
             <a:fld id="{50FA7BE5-9B7D-4F20-881C-9A0B90E6FF72}" type="slidenum">
               <a:rPr lang="zh-CN" altLang="zh-CN" smtClean="0"/>
-              <a:t>1</a:t>
             </a:fld>
             <a:endParaRPr lang="zh-CN" altLang="zh-CN"/>
           </a:p>
@@ -748,7 +746,6 @@
             </a:pPr>
             <a:fld id="{50FA7BE5-9B7D-4F20-881C-9A0B90E6FF72}" type="slidenum">
               <a:rPr lang="zh-CN" altLang="zh-CN" smtClean="0"/>
-              <a:t>14</a:t>
             </a:fld>
             <a:endParaRPr lang="zh-CN" altLang="zh-CN"/>
           </a:p>
@@ -877,7 +874,6 @@
             </a:pPr>
             <a:fld id="{50FA7BE5-9B7D-4F20-881C-9A0B90E6FF72}" type="slidenum">
               <a:rPr lang="zh-CN" altLang="zh-CN" smtClean="0"/>
-              <a:t>15</a:t>
             </a:fld>
             <a:endParaRPr lang="zh-CN" altLang="zh-CN"/>
           </a:p>
@@ -959,7 +955,6 @@
             </a:pPr>
             <a:fld id="{50FA7BE5-9B7D-4F20-881C-9A0B90E6FF72}" type="slidenum">
               <a:rPr lang="zh-CN" altLang="zh-CN" smtClean="0"/>
-              <a:t>16</a:t>
             </a:fld>
             <a:endParaRPr lang="zh-CN" altLang="zh-CN"/>
           </a:p>
@@ -1046,7 +1041,6 @@
             </a:pPr>
             <a:fld id="{50FA7BE5-9B7D-4F20-881C-9A0B90E6FF72}" type="slidenum">
               <a:rPr lang="zh-CN" altLang="zh-CN" smtClean="0"/>
-              <a:t>18</a:t>
             </a:fld>
             <a:endParaRPr lang="zh-CN" altLang="zh-CN"/>
           </a:p>
@@ -1108,6 +1102,7 @@
               <a:rPr lang="zh-CN" altLang="en-US" dirty="0" smtClean="0"/>
               <a:t>脚本语言是由传统编程语言简化而来的语言，因此有很多相似之处。</a:t>
             </a:r>
+            <a:endParaRPr lang="zh-CN" altLang="en-US" dirty="0" smtClean="0"/>
           </a:p>
           <a:p>
             <a:endParaRPr lang="zh-CN" altLang="en-US" dirty="0"/>
@@ -1134,7 +1129,6 @@
             </a:pPr>
             <a:fld id="{50FA7BE5-9B7D-4F20-881C-9A0B90E6FF72}" type="slidenum">
               <a:rPr lang="zh-CN" altLang="zh-CN" smtClean="0"/>
-              <a:t>4</a:t>
             </a:fld>
             <a:endParaRPr lang="zh-CN" altLang="zh-CN"/>
           </a:p>
@@ -1216,7 +1210,6 @@
             </a:pPr>
             <a:fld id="{50FA7BE5-9B7D-4F20-881C-9A0B90E6FF72}" type="slidenum">
               <a:rPr lang="zh-CN" altLang="zh-CN" smtClean="0"/>
-              <a:t>5</a:t>
             </a:fld>
             <a:endParaRPr lang="zh-CN" altLang="zh-CN"/>
           </a:p>
@@ -1302,7 +1295,6 @@
             </a:pPr>
             <a:fld id="{50FA7BE5-9B7D-4F20-881C-9A0B90E6FF72}" type="slidenum">
               <a:rPr lang="zh-CN" altLang="zh-CN" smtClean="0"/>
-              <a:t>6</a:t>
             </a:fld>
             <a:endParaRPr lang="zh-CN" altLang="zh-CN"/>
           </a:p>
@@ -1480,7 +1472,6 @@
             </a:pPr>
             <a:fld id="{50FA7BE5-9B7D-4F20-881C-9A0B90E6FF72}" type="slidenum">
               <a:rPr lang="zh-CN" altLang="zh-CN" smtClean="0"/>
-              <a:t>8</a:t>
             </a:fld>
             <a:endParaRPr lang="zh-CN" altLang="zh-CN"/>
           </a:p>
@@ -1658,7 +1649,6 @@
             </a:pPr>
             <a:fld id="{50FA7BE5-9B7D-4F20-881C-9A0B90E6FF72}" type="slidenum">
               <a:rPr lang="zh-CN" altLang="zh-CN" smtClean="0"/>
-              <a:t>9</a:t>
             </a:fld>
             <a:endParaRPr lang="zh-CN" altLang="zh-CN"/>
           </a:p>
@@ -1720,6 +1710,7 @@
               <a:rPr lang="zh-CN" altLang="en-US" dirty="0"/>
               <a:t>生日蛋糕包装</a:t>
             </a:r>
+            <a:endParaRPr lang="zh-CN" altLang="en-US" dirty="0"/>
           </a:p>
         </p:txBody>
       </p:sp>
@@ -1743,7 +1734,6 @@
             </a:pPr>
             <a:fld id="{50FA7BE5-9B7D-4F20-881C-9A0B90E6FF72}" type="slidenum">
               <a:rPr lang="zh-CN" altLang="zh-CN" smtClean="0"/>
-              <a:t>10</a:t>
             </a:fld>
             <a:endParaRPr lang="zh-CN" altLang="zh-CN"/>
           </a:p>
@@ -1829,7 +1819,6 @@
             </a:pPr>
             <a:fld id="{50FA7BE5-9B7D-4F20-881C-9A0B90E6FF72}" type="slidenum">
               <a:rPr lang="zh-CN" altLang="zh-CN" smtClean="0"/>
-              <a:t>12</a:t>
             </a:fld>
             <a:endParaRPr lang="zh-CN" altLang="zh-CN"/>
           </a:p>
@@ -1915,7 +1904,6 @@
             </a:pPr>
             <a:fld id="{50FA7BE5-9B7D-4F20-881C-9A0B90E6FF72}" type="slidenum">
               <a:rPr lang="zh-CN" altLang="zh-CN" smtClean="0"/>
-              <a:t>13</a:t>
             </a:fld>
             <a:endParaRPr lang="zh-CN" altLang="zh-CN"/>
           </a:p>
@@ -2011,6 +1999,7 @@
               <a:rPr lang="zh-CN" altLang="en-US" dirty="0" smtClean="0"/>
               <a:t>单击此处编辑母版文本样式</a:t>
             </a:r>
+            <a:endParaRPr lang="zh-CN" altLang="en-US" dirty="0" smtClean="0"/>
           </a:p>
           <a:p>
             <a:pPr lvl="1"/>
@@ -2018,6 +2007,7 @@
               <a:rPr lang="zh-CN" altLang="en-US" dirty="0" smtClean="0"/>
               <a:t>第二级</a:t>
             </a:r>
+            <a:endParaRPr lang="zh-CN" altLang="en-US" dirty="0" smtClean="0"/>
           </a:p>
           <a:p>
             <a:pPr lvl="2"/>
@@ -2025,6 +2015,7 @@
               <a:rPr lang="zh-CN" altLang="en-US" dirty="0" smtClean="0"/>
               <a:t>第三级</a:t>
             </a:r>
+            <a:endParaRPr lang="zh-CN" altLang="en-US" dirty="0" smtClean="0"/>
           </a:p>
           <a:p>
             <a:pPr lvl="3"/>
@@ -2032,6 +2023,7 @@
               <a:rPr lang="zh-CN" altLang="en-US" dirty="0" smtClean="0"/>
               <a:t>第四级</a:t>
             </a:r>
+            <a:endParaRPr lang="zh-CN" altLang="en-US" dirty="0" smtClean="0"/>
           </a:p>
         </p:txBody>
       </p:sp>
@@ -2093,6 +2085,7 @@
               <a:rPr lang="zh-CN" altLang="en-US" dirty="0" smtClean="0"/>
               <a:t>单击此处编辑母版文本样式</a:t>
             </a:r>
+            <a:endParaRPr lang="zh-CN" altLang="en-US" dirty="0" smtClean="0"/>
           </a:p>
         </p:txBody>
       </p:sp>
@@ -2145,7 +2138,6 @@
             </a:pPr>
             <a:fld id="{4BCD4F28-99F7-483B-9A2D-5E3B2E8C9EEF}" type="slidenum">
               <a:rPr lang="zh-CN" altLang="zh-CN"/>
-              <a:t>‹#›</a:t>
             </a:fld>
             <a:endParaRPr lang="zh-CN" altLang="zh-CN" sz="3200" b="0"/>
           </a:p>
@@ -2229,6 +2221,7 @@
               <a:rPr lang="zh-CN" altLang="en-US" dirty="0" smtClean="0"/>
               <a:t>单击此处编辑母版文本样式</a:t>
             </a:r>
+            <a:endParaRPr lang="zh-CN" altLang="en-US" dirty="0" smtClean="0"/>
           </a:p>
           <a:p>
             <a:pPr lvl="1"/>
@@ -2236,6 +2229,7 @@
               <a:rPr lang="zh-CN" altLang="en-US" dirty="0" smtClean="0"/>
               <a:t>第二级</a:t>
             </a:r>
+            <a:endParaRPr lang="zh-CN" altLang="en-US" dirty="0" smtClean="0"/>
           </a:p>
           <a:p>
             <a:pPr lvl="2"/>
@@ -2243,6 +2237,7 @@
               <a:rPr lang="zh-CN" altLang="en-US" dirty="0" smtClean="0"/>
               <a:t>第三级</a:t>
             </a:r>
+            <a:endParaRPr lang="zh-CN" altLang="en-US" dirty="0" smtClean="0"/>
           </a:p>
           <a:p>
             <a:pPr lvl="3"/>
@@ -2250,6 +2245,7 @@
               <a:rPr lang="zh-CN" altLang="en-US" dirty="0" smtClean="0"/>
               <a:t>第四级</a:t>
             </a:r>
+            <a:endParaRPr lang="zh-CN" altLang="en-US" dirty="0" smtClean="0"/>
           </a:p>
         </p:txBody>
       </p:sp>
@@ -2311,6 +2307,7 @@
               <a:rPr lang="zh-CN" altLang="en-US" dirty="0" smtClean="0"/>
               <a:t>单击此处编辑母版文本样式</a:t>
             </a:r>
+            <a:endParaRPr lang="zh-CN" altLang="en-US" dirty="0" smtClean="0"/>
           </a:p>
         </p:txBody>
       </p:sp>
@@ -2371,7 +2368,6 @@
             </a:pPr>
             <a:fld id="{4BCD4F28-99F7-483B-9A2D-5E3B2E8C9EEF}" type="slidenum">
               <a:rPr lang="zh-CN" altLang="zh-CN"/>
-              <a:t>‹#›</a:t>
             </a:fld>
             <a:endParaRPr lang="zh-CN" altLang="zh-CN" sz="3200" b="0"/>
           </a:p>
@@ -2386,7 +2382,7 @@
 </file>
 
 <file path=ppt/slideLayouts/slideLayout5.xml><?xml version="1.0" encoding="utf-8"?>
-<p:sldLayout xmlns:a="http://schemas.openxmlformats.org/drawingml/2006/main" xmlns:r="http://schemas.openxmlformats.org/officeDocument/2006/relationships" xmlns:p="http://schemas.openxmlformats.org/presentationml/2006/main" showMasterSp="0" preserve="1" userDrawn="1">
+<p:sldLayout xmlns:a="http://schemas.openxmlformats.org/drawingml/2006/main" xmlns:r="http://schemas.openxmlformats.org/officeDocument/2006/relationships" xmlns:p="http://schemas.openxmlformats.org/presentationml/2006/main" preserve="1" showMasterSp="0" userDrawn="1">
   <p:cSld name="标题幻灯片">
     <p:spTree>
       <p:nvGrpSpPr>
@@ -2565,6 +2561,7 @@
               <a:rPr lang="zh-CN" altLang="en-US" dirty="0" smtClean="0"/>
               <a:t>单击此处编辑母版标题样式</a:t>
             </a:r>
+            <a:endParaRPr lang="zh-CN" altLang="en-US" dirty="0" smtClean="0"/>
           </a:p>
         </p:txBody>
       </p:sp>
@@ -2589,7 +2586,7 @@
     <p:bg bwMode="auto">
       <p:bgPr>
         <a:blipFill dpi="0" rotWithShape="0">
-          <a:blip r:embed="rId7" cstate="print"/>
+          <a:blip r:embed="rId6" cstate="print"/>
           <a:srcRect/>
           <a:stretch>
             <a:fillRect/>
@@ -2652,7 +2649,6 @@
             </a:pPr>
             <a:fld id="{2A4DE254-CAD5-4B8E-9712-9468A839C993}" type="slidenum">
               <a:rPr lang="zh-CN" altLang="zh-CN"/>
-              <a:t>‹#›</a:t>
             </a:fld>
             <a:endParaRPr lang="zh-CN" altLang="zh-CN"/>
           </a:p>
@@ -2667,7 +2663,7 @@
           <p:nvPr/>
         </p:nvPicPr>
         <p:blipFill>
-          <a:blip r:embed="rId8" cstate="print">
+          <a:blip r:embed="rId7" cstate="print">
             <a:extLst>
               <a:ext uri="{28A0092B-C50C-407E-A947-70E740481C1C}">
                 <a14:useLocalDpi xmlns:a14="http://schemas.microsoft.com/office/drawing/2010/main" val="0"/>
@@ -2721,7 +2717,7 @@
           <p:nvPr/>
         </p:nvPicPr>
         <p:blipFill>
-          <a:blip r:embed="rId9" cstate="print">
+          <a:blip r:embed="rId8" cstate="print">
             <a:extLst>
               <a:ext uri="{28A0092B-C50C-407E-A947-70E740481C1C}">
                 <a14:useLocalDpi xmlns:a14="http://schemas.microsoft.com/office/drawing/2010/main" val="0"/>
@@ -3222,7 +3218,7 @@
           <p:nvPr/>
         </p:nvPicPr>
         <p:blipFill>
-          <a:blip r:embed="rId3" cstate="print">
+          <a:blip r:embed="rId1" cstate="print">
             <a:extLst>
               <a:ext uri="{28A0092B-C50C-407E-A947-70E740481C1C}">
                 <a14:useLocalDpi xmlns:a14="http://schemas.microsoft.com/office/drawing/2010/main" val="0"/>
@@ -3319,6 +3315,7 @@
               <a:rPr lang="zh-CN" altLang="en-US" sz="4800" b="1" dirty="0"/>
               <a:t>进阶</a:t>
             </a:r>
+            <a:endParaRPr lang="zh-CN" altLang="en-US" sz="4800" b="1" dirty="0"/>
           </a:p>
         </p:txBody>
       </p:sp>
@@ -3383,7 +3380,7 @@
           <p:nvPr/>
         </p:nvPicPr>
         <p:blipFill>
-          <a:blip r:embed="rId4" cstate="print">
+          <a:blip r:embed="rId2" cstate="print">
             <a:extLst>
               <a:ext uri="{28A0092B-C50C-407E-A947-70E740481C1C}">
                 <a14:useLocalDpi xmlns:a14="http://schemas.microsoft.com/office/drawing/2010/main" val="0"/>
@@ -3517,14 +3514,6 @@
               </a:rPr>
               <a:t>数字、布尔、字符串等基本数据类型都有对应的包装对象类型，可以将其包装成对象</a:t>
             </a:r>
-            <a:r>
-              <a:rPr lang="zh-CN" altLang="en-US" sz="3200" dirty="0">
-                <a:solidFill>
-                  <a:schemeClr val="tx1"/>
-                </a:solidFill>
-              </a:rPr>
-              <a:t/>
-            </a:r>
             <a:br>
               <a:rPr lang="zh-CN" altLang="en-US" sz="3200" dirty="0">
                 <a:solidFill>
@@ -3579,14 +3568,6 @@
                 </a:solidFill>
               </a:rPr>
               <a:t>装箱</a:t>
-            </a:r>
-            <a:r>
-              <a:rPr lang="zh-CN" altLang="en-US" sz="3200" dirty="0">
-                <a:solidFill>
-                  <a:schemeClr val="tx1"/>
-                </a:solidFill>
-              </a:rPr>
-              <a:t/>
             </a:r>
             <a:br>
               <a:rPr lang="zh-CN" altLang="en-US" sz="3200" dirty="0">
@@ -3890,6 +3871,12 @@
               </a:rPr>
               <a:t>undefined</a:t>
             </a:r>
+            <a:endParaRPr lang="en-US" altLang="zh-CN" sz="2000" dirty="0">
+              <a:solidFill>
+                <a:schemeClr val="tx1"/>
+              </a:solidFill>
+              <a:sym typeface="+mn-ea"/>
+            </a:endParaRPr>
           </a:p>
           <a:p>
             <a:pPr>
@@ -3971,6 +3958,7 @@
               <a:rPr lang="zh-CN" altLang="en-US" dirty="0" smtClean="0"/>
               <a:t>节）</a:t>
             </a:r>
+            <a:endParaRPr lang="zh-CN" altLang="en-US" dirty="0" smtClean="0"/>
           </a:p>
         </p:txBody>
       </p:sp>
@@ -4017,6 +4005,13 @@
               </a:rPr>
               <a:t>demo10</a:t>
             </a:r>
+            <a:endParaRPr lang="en-US" altLang="zh-CN" sz="2200">
+              <a:solidFill>
+                <a:srgbClr val="FF0000"/>
+              </a:solidFill>
+              <a:latin typeface="+mn-ea"/>
+              <a:ea typeface="+mn-ea"/>
+            </a:endParaRPr>
           </a:p>
         </p:txBody>
       </p:sp>
@@ -4255,6 +4250,7 @@
               <a:rPr lang="zh-CN" dirty="0" smtClean="0"/>
               <a:t>内容刚要</a:t>
             </a:r>
+            <a:endParaRPr lang="zh-CN" dirty="0" smtClean="0"/>
           </a:p>
         </p:txBody>
       </p:sp>
@@ -4436,6 +4432,11 @@
               </a:rPr>
               <a:t>的数据类型</a:t>
             </a:r>
+            <a:endParaRPr lang="zh-CN" altLang="en-US" sz="2800" b="1">
+              <a:solidFill>
+                <a:schemeClr val="tx1"/>
+              </a:solidFill>
+            </a:endParaRPr>
           </a:p>
           <a:p>
             <a:pPr>
@@ -4462,6 +4463,11 @@
               </a:rPr>
               <a:t>不同类型的值</a:t>
             </a:r>
+            <a:endParaRPr lang="zh-CN" altLang="en-US" sz="2800" b="1">
+              <a:solidFill>
+                <a:schemeClr val="tx1"/>
+              </a:solidFill>
+            </a:endParaRPr>
           </a:p>
           <a:p>
             <a:pPr>
@@ -4577,6 +4583,11 @@
               </a:rPr>
               <a:t>类型</a:t>
             </a:r>
+            <a:endParaRPr lang="zh-CN" altLang="en-US" sz="3200" dirty="0">
+              <a:solidFill>
+                <a:schemeClr val="tx1"/>
+              </a:solidFill>
+            </a:endParaRPr>
           </a:p>
           <a:p>
             <a:pPr>
@@ -4706,14 +4717,6 @@
                 </a:solidFill>
               </a:rPr>
               <a:t>value</a:t>
-            </a:r>
-            <a:r>
-              <a:rPr lang="zh-CN" altLang="en-US" sz="3200" dirty="0">
-                <a:solidFill>
-                  <a:schemeClr val="tx1"/>
-                </a:solidFill>
-              </a:rPr>
-              <a:t/>
             </a:r>
             <a:br>
               <a:rPr lang="zh-CN" altLang="en-US" sz="3200" dirty="0">
@@ -4814,7 +4817,7 @@
           <p:nvPr/>
         </p:nvPicPr>
         <p:blipFill>
-          <a:blip r:embed="rId3"/>
+          <a:blip r:embed="rId1"/>
           <a:stretch>
             <a:fillRect/>
           </a:stretch>
@@ -4872,6 +4875,13 @@
               </a:rPr>
               <a:t>demo11 Part1</a:t>
             </a:r>
+            <a:endParaRPr lang="en-US" altLang="zh-CN" sz="2200">
+              <a:solidFill>
+                <a:srgbClr val="FF0000"/>
+              </a:solidFill>
+              <a:latin typeface="+mn-ea"/>
+              <a:ea typeface="+mn-ea"/>
+            </a:endParaRPr>
           </a:p>
         </p:txBody>
       </p:sp>
@@ -4956,6 +4966,11 @@
               </a:rPr>
               <a:t>类型</a:t>
             </a:r>
+            <a:endParaRPr lang="zh-CN" altLang="en-US" sz="3200" dirty="0">
+              <a:solidFill>
+                <a:schemeClr val="tx1"/>
+              </a:solidFill>
+            </a:endParaRPr>
           </a:p>
           <a:p>
             <a:pPr>
@@ -5081,14 +5096,6 @@
                 </a:solidFill>
               </a:rPr>
               <a:t>parseInt</a:t>
-            </a:r>
-            <a:r>
-              <a:rPr lang="zh-CN" altLang="en-US" sz="3200" dirty="0">
-                <a:solidFill>
-                  <a:schemeClr val="tx1"/>
-                </a:solidFill>
-              </a:rPr>
-              <a:t/>
             </a:r>
             <a:br>
               <a:rPr lang="zh-CN" altLang="en-US" sz="3200" dirty="0">
@@ -5189,7 +5196,7 @@
           <p:nvPr/>
         </p:nvPicPr>
         <p:blipFill>
-          <a:blip r:embed="rId3"/>
+          <a:blip r:embed="rId1"/>
           <a:stretch>
             <a:fillRect/>
           </a:stretch>
@@ -5247,6 +5254,13 @@
               </a:rPr>
               <a:t>demo11 Part2</a:t>
             </a:r>
+            <a:endParaRPr lang="en-US" altLang="zh-CN" sz="2200">
+              <a:solidFill>
+                <a:srgbClr val="FF0000"/>
+              </a:solidFill>
+              <a:latin typeface="+mn-ea"/>
+              <a:ea typeface="+mn-ea"/>
+            </a:endParaRPr>
           </a:p>
         </p:txBody>
       </p:sp>
@@ -5331,6 +5345,11 @@
               </a:rPr>
               <a:t>类型</a:t>
             </a:r>
+            <a:endParaRPr lang="zh-CN" altLang="en-US" sz="3200" dirty="0">
+              <a:solidFill>
+                <a:schemeClr val="tx1"/>
+              </a:solidFill>
+            </a:endParaRPr>
           </a:p>
           <a:p>
             <a:pPr>
@@ -5440,14 +5459,6 @@
                 </a:solidFill>
               </a:rPr>
               <a:t>value.toString();</a:t>
-            </a:r>
-            <a:r>
-              <a:rPr lang="zh-CN" altLang="en-US" sz="3200" dirty="0">
-                <a:solidFill>
-                  <a:schemeClr val="tx1"/>
-                </a:solidFill>
-              </a:rPr>
-              <a:t/>
             </a:r>
             <a:br>
               <a:rPr lang="zh-CN" altLang="en-US" sz="3200" dirty="0">
@@ -5548,7 +5559,7 @@
           <p:nvPr/>
         </p:nvPicPr>
         <p:blipFill>
-          <a:blip r:embed="rId3"/>
+          <a:blip r:embed="rId1"/>
           <a:stretch>
             <a:fillRect/>
           </a:stretch>
@@ -5606,6 +5617,13 @@
               </a:rPr>
               <a:t>demo11 Part3</a:t>
             </a:r>
+            <a:endParaRPr lang="en-US" altLang="zh-CN" sz="2200">
+              <a:solidFill>
+                <a:srgbClr val="FF0000"/>
+              </a:solidFill>
+              <a:latin typeface="+mn-ea"/>
+              <a:ea typeface="+mn-ea"/>
+            </a:endParaRPr>
           </a:p>
         </p:txBody>
       </p:sp>
@@ -5726,6 +5744,7 @@
               <a:rPr lang="zh-CN" altLang="en-US" dirty="0" smtClean="0"/>
               <a:t>数据类型转换</a:t>
             </a:r>
+            <a:endParaRPr lang="zh-CN" altLang="en-US" dirty="0" smtClean="0"/>
           </a:p>
         </p:txBody>
       </p:sp>
@@ -5738,7 +5757,7 @@
           <p:nvPr/>
         </p:nvPicPr>
         <p:blipFill>
-          <a:blip r:embed="rId3"/>
+          <a:blip r:embed="rId1"/>
           <a:stretch>
             <a:fillRect/>
           </a:stretch>
@@ -5819,12 +5838,6 @@
               </a:rPr>
               <a:t>隐式类型转换</a:t>
             </a:r>
-            <a:r>
-              <a:rPr lang="zh-CN" altLang="en-US" sz="3200" dirty="0">
-                <a:sym typeface="+mn-ea"/>
-              </a:rPr>
-              <a:t/>
-            </a:r>
             <a:br>
               <a:rPr lang="zh-CN" altLang="en-US" sz="3200" dirty="0">
                 <a:sym typeface="+mn-ea"/>
@@ -6064,6 +6077,12 @@
               </a:rPr>
               <a:t>）</a:t>
             </a:r>
+            <a:endParaRPr lang="zh-CN" altLang="en-US" sz="2000" dirty="0">
+              <a:solidFill>
+                <a:schemeClr val="tx1"/>
+              </a:solidFill>
+              <a:sym typeface="+mn-ea"/>
+            </a:endParaRPr>
           </a:p>
           <a:p>
             <a:pPr>
@@ -6080,12 +6099,6 @@
               </a:rPr>
               <a:t>显式类型转换（使代码更清晰）</a:t>
             </a:r>
-            <a:r>
-              <a:rPr lang="zh-CN" altLang="en-US" sz="3200" dirty="0">
-                <a:sym typeface="+mn-ea"/>
-              </a:rPr>
-              <a:t/>
-            </a:r>
             <a:br>
               <a:rPr lang="zh-CN" altLang="en-US" sz="3200" dirty="0">
                 <a:sym typeface="+mn-ea"/>
@@ -6261,15 +6274,6 @@
               </a:rPr>
               <a:t>）</a:t>
             </a:r>
-            <a:r>
-              <a:rPr lang="zh-CN" altLang="en-US" sz="2000" dirty="0">
-                <a:solidFill>
-                  <a:srgbClr val="FF0000"/>
-                </a:solidFill>
-                <a:sym typeface="+mn-ea"/>
-              </a:rPr>
-              <a:t/>
-            </a:r>
             <a:br>
               <a:rPr lang="zh-CN" altLang="en-US" sz="2000" dirty="0">
                 <a:solidFill>
@@ -6394,6 +6398,12 @@
               </a:rPr>
               <a:t>）</a:t>
             </a:r>
+            <a:endParaRPr lang="zh-CN" altLang="en-US" sz="2000" dirty="0">
+              <a:solidFill>
+                <a:schemeClr val="tx1"/>
+              </a:solidFill>
+              <a:sym typeface="+mn-ea"/>
+            </a:endParaRPr>
           </a:p>
           <a:p>
             <a:pPr>
@@ -6460,6 +6470,7 @@
               <a:rPr lang="zh-CN" altLang="en-US" dirty="0" smtClean="0"/>
               <a:t>数据类型转换</a:t>
             </a:r>
+            <a:endParaRPr lang="zh-CN" altLang="en-US" dirty="0" smtClean="0"/>
           </a:p>
         </p:txBody>
       </p:sp>
@@ -6516,6 +6527,13 @@
               </a:rPr>
               <a:t>页</a:t>
             </a:r>
+            <a:endParaRPr lang="zh-CN" altLang="en-US" sz="2200">
+              <a:solidFill>
+                <a:srgbClr val="FF0000"/>
+              </a:solidFill>
+              <a:latin typeface="+mn-ea"/>
+              <a:ea typeface="+mn-ea"/>
+            </a:endParaRPr>
           </a:p>
         </p:txBody>
       </p:sp>
@@ -6562,6 +6580,13 @@
               </a:rPr>
               <a:t>demo12 Part1 </a:t>
             </a:r>
+            <a:endParaRPr lang="en-US" altLang="zh-CN" sz="2200">
+              <a:solidFill>
+                <a:srgbClr val="FF0000"/>
+              </a:solidFill>
+              <a:latin typeface="+mn-ea"/>
+              <a:ea typeface="+mn-ea"/>
+            </a:endParaRPr>
           </a:p>
         </p:txBody>
       </p:sp>
@@ -6608,6 +6633,13 @@
               </a:rPr>
               <a:t>demo12 Part2 </a:t>
             </a:r>
+            <a:endParaRPr lang="en-US" altLang="zh-CN" sz="2200">
+              <a:solidFill>
+                <a:srgbClr val="FF0000"/>
+              </a:solidFill>
+              <a:latin typeface="+mn-ea"/>
+              <a:ea typeface="+mn-ea"/>
+            </a:endParaRPr>
           </a:p>
         </p:txBody>
       </p:sp>
@@ -6652,7 +6684,7 @@
           <p:nvPr/>
         </p:nvPicPr>
         <p:blipFill>
-          <a:blip r:embed="rId2" cstate="print">
+          <a:blip r:embed="rId1" cstate="print">
             <a:extLst>
               <a:ext uri="{28A0092B-C50C-407E-A947-70E740481C1C}">
                 <a14:useLocalDpi xmlns:a14="http://schemas.microsoft.com/office/drawing/2010/main" val="0"/>
@@ -6770,7 +6802,7 @@
           <p:nvPr/>
         </p:nvPicPr>
         <p:blipFill>
-          <a:blip r:embed="rId3" cstate="print">
+          <a:blip r:embed="rId2" cstate="print">
             <a:extLst>
               <a:ext uri="{28A0092B-C50C-407E-A947-70E740481C1C}">
                 <a14:useLocalDpi xmlns:a14="http://schemas.microsoft.com/office/drawing/2010/main" val="0"/>
@@ -6877,6 +6909,11 @@
               </a:rPr>
               <a:t> 类对象与内置对象</a:t>
             </a:r>
+            <a:endParaRPr lang="zh-CN" altLang="en-US" sz="2400" dirty="0" smtClean="0">
+              <a:solidFill>
+                <a:schemeClr val="tx1"/>
+              </a:solidFill>
+            </a:endParaRPr>
           </a:p>
           <a:p>
             <a:r>
@@ -6935,6 +6972,11 @@
               </a:rPr>
               <a:t>等（是对象？、是构造函数？、是类型？）</a:t>
             </a:r>
+            <a:endParaRPr lang="zh-CN" altLang="en-US" sz="2400" dirty="0" smtClean="0">
+              <a:solidFill>
+                <a:schemeClr val="tx1"/>
+              </a:solidFill>
+            </a:endParaRPr>
           </a:p>
           <a:p>
             <a:r>
@@ -7001,8 +7043,6 @@
               </a:rPr>
               <a:t> </a:t>
             </a:r>
-          </a:p>
-          <a:p>
             <a:endParaRPr lang="en-US" altLang="zh-CN" sz="2400" dirty="0" smtClean="0">
               <a:solidFill>
                 <a:schemeClr val="tx1"/>
@@ -7010,6 +7050,13 @@
             </a:endParaRPr>
           </a:p>
           <a:p>
+            <a:endParaRPr lang="en-US" altLang="zh-CN" sz="2400" dirty="0" smtClean="0">
+              <a:solidFill>
+                <a:schemeClr val="tx1"/>
+              </a:solidFill>
+            </a:endParaRPr>
+          </a:p>
+          <a:p>
             <a:r>
               <a:rPr lang="en-US" altLang="zh-CN" sz="2400" dirty="0" smtClean="0">
                 <a:solidFill>
@@ -7018,6 +7065,11 @@
               </a:rPr>
               <a:t> console.log(typeof Boolean);</a:t>
             </a:r>
+            <a:endParaRPr lang="en-US" altLang="zh-CN" sz="2400" dirty="0" smtClean="0">
+              <a:solidFill>
+                <a:schemeClr val="tx1"/>
+              </a:solidFill>
+            </a:endParaRPr>
           </a:p>
           <a:p>
             <a:r>
@@ -7037,6 +7089,11 @@
               </a:rPr>
               <a:t>typeof Number);</a:t>
             </a:r>
+            <a:endParaRPr lang="en-US" altLang="zh-CN" sz="2400" dirty="0" smtClean="0">
+              <a:solidFill>
+                <a:schemeClr val="tx1"/>
+              </a:solidFill>
+            </a:endParaRPr>
           </a:p>
           <a:p>
             <a:r>
@@ -7056,6 +7113,11 @@
               </a:rPr>
               <a:t>typeof String);</a:t>
             </a:r>
+            <a:endParaRPr lang="en-US" altLang="zh-CN" sz="2400" dirty="0" smtClean="0">
+              <a:solidFill>
+                <a:schemeClr val="tx1"/>
+              </a:solidFill>
+            </a:endParaRPr>
           </a:p>
         </p:txBody>
       </p:sp>
@@ -7078,6 +7140,7 @@
               <a:rPr lang="zh-CN" altLang="en-US"/>
               <a:t>思考</a:t>
             </a:r>
+            <a:endParaRPr lang="zh-CN" altLang="en-US"/>
           </a:p>
         </p:txBody>
       </p:sp>
@@ -7692,7 +7755,7 @@
           <p:nvPr/>
         </p:nvPicPr>
         <p:blipFill>
-          <a:blip r:embed="rId2">
+          <a:blip r:embed="rId1">
             <a:extLst>
               <a:ext uri="{28A0092B-C50C-407E-A947-70E740481C1C}">
                 <a14:useLocalDpi xmlns:a14="http://schemas.microsoft.com/office/drawing/2010/main" val="0"/>
@@ -7981,7 +8044,7 @@
           <p:nvPr/>
         </p:nvPicPr>
         <p:blipFill>
-          <a:blip r:embed="rId3">
+          <a:blip r:embed="rId2">
             <a:extLst>
               <a:ext uri="{28A0092B-C50C-407E-A947-70E740481C1C}">
                 <a14:useLocalDpi xmlns:a14="http://schemas.microsoft.com/office/drawing/2010/main" val="0"/>
@@ -8121,6 +8184,11 @@
               </a:rPr>
               <a:t>章</a:t>
             </a:r>
+            <a:endParaRPr lang="zh-CN" altLang="en-US" sz="2200">
+              <a:solidFill>
+                <a:srgbClr val="FF0000"/>
+              </a:solidFill>
+            </a:endParaRPr>
           </a:p>
         </p:txBody>
       </p:sp>
@@ -8360,6 +8428,7 @@
               <a:rPr lang="zh-CN" dirty="0" smtClean="0"/>
               <a:t>内容刚要</a:t>
             </a:r>
+            <a:endParaRPr lang="zh-CN" dirty="0" smtClean="0"/>
           </a:p>
         </p:txBody>
       </p:sp>
@@ -8541,6 +8610,11 @@
               </a:rPr>
               <a:t>的数据类型</a:t>
             </a:r>
+            <a:endParaRPr lang="zh-CN" altLang="en-US" sz="2800" b="1">
+              <a:solidFill>
+                <a:srgbClr val="FF0000"/>
+              </a:solidFill>
+            </a:endParaRPr>
           </a:p>
           <a:p>
             <a:pPr>
@@ -8563,6 +8637,7 @@
               <a:rPr lang="zh-CN" altLang="en-US" sz="2800" b="1"/>
               <a:t>不同类型的值</a:t>
             </a:r>
+            <a:endParaRPr lang="zh-CN" altLang="en-US" sz="2800" b="1"/>
           </a:p>
           <a:p>
             <a:pPr>
@@ -8726,10 +8801,6 @@
               </a:rPr>
               <a:t>）</a:t>
             </a:r>
-            <a:r>
-              <a:rPr lang="zh-CN" altLang="en-US" sz="3200" dirty="0"/>
-              <a:t/>
-            </a:r>
             <a:br>
               <a:rPr lang="zh-CN" altLang="en-US" sz="3200" dirty="0"/>
             </a:br>
@@ -8957,6 +9028,12 @@
               </a:rPr>
               <a:t>等））</a:t>
             </a:r>
+            <a:endParaRPr lang="zh-CN" altLang="en-US" sz="2000" dirty="0">
+              <a:solidFill>
+                <a:schemeClr val="tx1"/>
+              </a:solidFill>
+              <a:sym typeface="+mn-ea"/>
+            </a:endParaRPr>
           </a:p>
           <a:p>
             <a:pPr>
@@ -9087,6 +9164,12 @@
               </a:rPr>
               <a:t>）</a:t>
             </a:r>
+            <a:endParaRPr lang="zh-CN" altLang="en-US" sz="3200" dirty="0">
+              <a:solidFill>
+                <a:schemeClr val="tx1"/>
+              </a:solidFill>
+              <a:sym typeface="+mn-ea"/>
+            </a:endParaRPr>
           </a:p>
           <a:p>
             <a:pPr marL="168275" lvl="1" indent="0">
@@ -9172,7 +9255,7 @@
           <p:nvPr/>
         </p:nvPicPr>
         <p:blipFill>
-          <a:blip r:embed="rId3"/>
+          <a:blip r:embed="rId1"/>
           <a:srcRect/>
           <a:stretch>
             <a:fillRect/>
@@ -9231,6 +9314,13 @@
               </a:rPr>
               <a:t>demo01</a:t>
             </a:r>
+            <a:endParaRPr lang="en-US" altLang="zh-CN" sz="2200">
+              <a:solidFill>
+                <a:srgbClr val="FF0000"/>
+              </a:solidFill>
+              <a:latin typeface="+mn-ea"/>
+              <a:ea typeface="+mn-ea"/>
+            </a:endParaRPr>
           </a:p>
         </p:txBody>
       </p:sp>
@@ -9264,6 +9354,11 @@
               </a:rPr>
               <a:t>参考链接：http://www.jianshu.com/p/75057391ad51</a:t>
             </a:r>
+            <a:endParaRPr lang="zh-CN" altLang="en-US" sz="2200">
+              <a:solidFill>
+                <a:srgbClr val="FF0000"/>
+              </a:solidFill>
+            </a:endParaRPr>
           </a:p>
         </p:txBody>
       </p:sp>
@@ -9691,15 +9786,6 @@
               </a:rPr>
               <a:t>（自动清除、垃圾回收）</a:t>
             </a:r>
-            <a:r>
-              <a:rPr lang="zh-CN" altLang="en-US" sz="3200" dirty="0">
-                <a:solidFill>
-                  <a:schemeClr val="tx1"/>
-                </a:solidFill>
-                <a:sym typeface="+mn-ea"/>
-              </a:rPr>
-              <a:t/>
-            </a:r>
             <a:br>
               <a:rPr lang="zh-CN" altLang="en-US" sz="3200" dirty="0">
                 <a:solidFill>
@@ -9846,7 +9932,7 @@
           <p:nvPr/>
         </p:nvPicPr>
         <p:blipFill>
-          <a:blip r:embed="rId3"/>
+          <a:blip r:embed="rId1"/>
           <a:srcRect/>
           <a:stretch>
             <a:fillRect/>
@@ -9905,6 +9991,13 @@
               </a:rPr>
               <a:t>demo02</a:t>
             </a:r>
+            <a:endParaRPr lang="en-US" altLang="zh-CN" sz="2200">
+              <a:solidFill>
+                <a:srgbClr val="FF0000"/>
+              </a:solidFill>
+              <a:latin typeface="+mn-ea"/>
+              <a:ea typeface="+mn-ea"/>
+            </a:endParaRPr>
           </a:p>
         </p:txBody>
       </p:sp>
@@ -9942,6 +10035,14 @@
               </a:rPr>
               <a:t>思考：对象的属性如果是基本类型，那么该属性是分配在堆区还是栈区</a:t>
             </a:r>
+            <a:endParaRPr lang="zh-CN" altLang="en-US" sz="2200">
+              <a:solidFill>
+                <a:schemeClr val="accent3"/>
+              </a:solidFill>
+              <a:latin typeface="+mn-ea"/>
+              <a:ea typeface="+mn-ea"/>
+              <a:sym typeface="+mn-ea"/>
+            </a:endParaRPr>
           </a:p>
           <a:p>
             <a:pPr algn="l"/>
@@ -9985,6 +10086,13 @@
               </a:rPr>
               <a:t>堆区常用来存储更为复杂的数据结构的对象</a:t>
             </a:r>
+            <a:endParaRPr lang="zh-CN" altLang="en-US" sz="2200">
+              <a:solidFill>
+                <a:schemeClr val="tx1"/>
+              </a:solidFill>
+              <a:latin typeface="+mn-ea"/>
+              <a:ea typeface="+mn-ea"/>
+            </a:endParaRPr>
           </a:p>
         </p:txBody>
       </p:sp>
@@ -10078,8 +10186,14 @@
                 </a:solidFill>
                 <a:sym typeface="+mn-ea"/>
               </a:rPr>
-              <a:t>赋值、赋地址、深拷贝与浅拷贝</a:t>
-            </a:r>
+              <a:t>赋值、赋引用（地址）、深拷贝与浅拷贝</a:t>
+            </a:r>
+            <a:endParaRPr lang="zh-CN" altLang="en-US" sz="2200" dirty="0">
+              <a:solidFill>
+                <a:schemeClr val="tx1"/>
+              </a:solidFill>
+              <a:sym typeface="+mn-ea"/>
+            </a:endParaRPr>
           </a:p>
           <a:p>
             <a:pPr>
@@ -10114,15 +10228,6 @@
               </a:rPr>
               <a:t>不同</a:t>
             </a:r>
-            <a:r>
-              <a:rPr lang="zh-CN" altLang="en-US" sz="2200" dirty="0">
-                <a:solidFill>
-                  <a:schemeClr val="tx1"/>
-                </a:solidFill>
-                <a:sym typeface="+mn-ea"/>
-              </a:rPr>
-              <a:t/>
-            </a:r>
             <a:br>
               <a:rPr lang="zh-CN" altLang="en-US" sz="2200" dirty="0">
                 <a:solidFill>
@@ -10180,6 +10285,13 @@
               </a:rPr>
               <a:t>引用类型是判断所指向的内存空间是否相同（引用比较）</a:t>
             </a:r>
+            <a:endParaRPr lang="zh-CN" altLang="en-US" sz="2200" dirty="0">
+              <a:solidFill>
+                <a:schemeClr val="tx1"/>
+              </a:solidFill>
+              <a:cs typeface="+mn-ea"/>
+              <a:sym typeface="+mn-ea"/>
+            </a:endParaRPr>
           </a:p>
           <a:p>
             <a:pPr>
@@ -10205,12 +10317,6 @@
               </a:rPr>
               <a:t>时的不同</a:t>
             </a:r>
-            <a:r>
-              <a:rPr lang="zh-CN" sz="3200" dirty="0">
-                <a:sym typeface="+mn-ea"/>
-              </a:rPr>
-              <a:t/>
-            </a:r>
             <a:br>
               <a:rPr lang="zh-CN" sz="3200" dirty="0">
                 <a:sym typeface="+mn-ea"/>
@@ -10232,7 +10338,7 @@
                 </a:solidFill>
                 <a:sym typeface="+mn-ea"/>
               </a:rPr>
-              <a:t>值传递</a:t>
+              <a:t>按值传递(call by value)</a:t>
             </a:r>
             <a:br>
               <a:rPr lang="zh-CN" altLang="en-US" sz="2200" dirty="0">
@@ -10258,8 +10364,14 @@
                 </a:solidFill>
                 <a:sym typeface="+mn-ea"/>
               </a:rPr>
-              <a:t>引用传递</a:t>
-            </a:r>
+              <a:t>按引用传递(call by reference)</a:t>
+            </a:r>
+            <a:endParaRPr lang="zh-CN" altLang="en-US" sz="2200" dirty="0">
+              <a:solidFill>
+                <a:schemeClr val="tx1"/>
+              </a:solidFill>
+              <a:sym typeface="+mn-ea"/>
+            </a:endParaRPr>
           </a:p>
           <a:p>
             <a:pPr marL="168275" lvl="1" indent="0">
@@ -10361,6 +10473,13 @@
               </a:rPr>
               <a:t>demo04</a:t>
             </a:r>
+            <a:endParaRPr lang="en-US" altLang="zh-CN" sz="2200">
+              <a:solidFill>
+                <a:srgbClr val="FF0000"/>
+              </a:solidFill>
+              <a:latin typeface="+mn-ea"/>
+              <a:ea typeface="+mn-ea"/>
+            </a:endParaRPr>
           </a:p>
         </p:txBody>
       </p:sp>
@@ -10407,6 +10526,13 @@
               </a:rPr>
               <a:t>demo05</a:t>
             </a:r>
+            <a:endParaRPr lang="en-US" altLang="zh-CN" sz="2200">
+              <a:solidFill>
+                <a:srgbClr val="FF0000"/>
+              </a:solidFill>
+              <a:latin typeface="+mn-ea"/>
+              <a:ea typeface="+mn-ea"/>
+            </a:endParaRPr>
           </a:p>
         </p:txBody>
       </p:sp>
@@ -10453,6 +10579,13 @@
               </a:rPr>
               <a:t>demo03</a:t>
             </a:r>
+            <a:endParaRPr lang="en-US" altLang="zh-CN" sz="2200">
+              <a:solidFill>
+                <a:srgbClr val="FF0000"/>
+              </a:solidFill>
+              <a:latin typeface="+mn-ea"/>
+              <a:ea typeface="+mn-ea"/>
+            </a:endParaRPr>
           </a:p>
         </p:txBody>
       </p:sp>
@@ -10509,6 +10642,13 @@
               </a:rPr>
               <a:t>，而不是内存分配方式，内存分配方式决定的是变量的生命周期</a:t>
             </a:r>
+            <a:endParaRPr lang="zh-CN" sz="2200">
+              <a:solidFill>
+                <a:schemeClr val="tx1"/>
+              </a:solidFill>
+              <a:latin typeface="+mn-ea"/>
+              <a:ea typeface="+mn-ea"/>
+            </a:endParaRPr>
           </a:p>
         </p:txBody>
       </p:sp>
@@ -11413,6 +11553,7 @@
               <a:rPr lang="zh-CN" dirty="0" smtClean="0"/>
               <a:t>内容刚要</a:t>
             </a:r>
+            <a:endParaRPr lang="zh-CN" dirty="0" smtClean="0"/>
           </a:p>
         </p:txBody>
       </p:sp>
@@ -11594,6 +11735,11 @@
               </a:rPr>
               <a:t>的数据类型</a:t>
             </a:r>
+            <a:endParaRPr lang="zh-CN" altLang="en-US" sz="2800" b="1">
+              <a:solidFill>
+                <a:schemeClr val="tx1"/>
+              </a:solidFill>
+            </a:endParaRPr>
           </a:p>
           <a:p>
             <a:pPr>
@@ -11620,6 +11766,11 @@
               </a:rPr>
               <a:t>不同类型的值</a:t>
             </a:r>
+            <a:endParaRPr lang="zh-CN" altLang="en-US" sz="2800" b="1">
+              <a:solidFill>
+                <a:schemeClr val="accent3"/>
+              </a:solidFill>
+            </a:endParaRPr>
           </a:p>
           <a:p>
             <a:pPr>
@@ -11845,6 +11996,13 @@
               </a:rPr>
               <a:t>-0</a:t>
             </a:r>
+            <a:endParaRPr lang="en-US" altLang="zh-CN" sz="2000" dirty="0">
+              <a:solidFill>
+                <a:schemeClr val="tx1"/>
+              </a:solidFill>
+              <a:cs typeface="+mn-ea"/>
+              <a:sym typeface="+mn-ea"/>
+            </a:endParaRPr>
           </a:p>
           <a:p>
             <a:pPr>
@@ -11893,6 +12051,12 @@
               </a:rPr>
               <a:t>空字符、字符和字符串、转义字符</a:t>
             </a:r>
+            <a:endParaRPr lang="zh-CN" altLang="en-US" sz="2000" dirty="0">
+              <a:solidFill>
+                <a:schemeClr val="tx1"/>
+              </a:solidFill>
+              <a:sym typeface="+mn-ea"/>
+            </a:endParaRPr>
           </a:p>
           <a:p>
             <a:pPr>
@@ -11936,6 +12100,13 @@
               </a:rPr>
               <a:t>- true、false</a:t>
             </a:r>
+            <a:endParaRPr lang="en-US" altLang="zh-CN" sz="2000" dirty="0">
+              <a:solidFill>
+                <a:schemeClr val="tx1"/>
+              </a:solidFill>
+              <a:cs typeface="+mn-ea"/>
+              <a:sym typeface="+mn-ea"/>
+            </a:endParaRPr>
           </a:p>
           <a:p>
             <a:pPr>
@@ -11952,15 +12123,6 @@
               </a:rPr>
               <a:t>Null与Undefined</a:t>
             </a:r>
-            <a:r>
-              <a:rPr lang="zh-CN" altLang="en-US" sz="3200" dirty="0">
-                <a:solidFill>
-                  <a:schemeClr val="tx1"/>
-                </a:solidFill>
-                <a:sym typeface="+mn-ea"/>
-              </a:rPr>
-              <a:t/>
-            </a:r>
             <a:br>
               <a:rPr lang="zh-CN" altLang="en-US" sz="3200" dirty="0">
                 <a:solidFill>
@@ -11976,7 +12138,7 @@
                 </a:solidFill>
                 <a:sym typeface="+mn-ea"/>
               </a:rPr>
-              <a:t>-null</a:t>
+              <a:t>- null</a:t>
             </a:r>
             <a:r>
               <a:rPr lang="zh-CN" altLang="en-US" sz="2000" dirty="0">
@@ -11996,6 +12158,12 @@
               </a:rPr>
               <a:t>undefined</a:t>
             </a:r>
+            <a:endParaRPr lang="en-US" altLang="zh-CN" sz="2000" dirty="0">
+              <a:solidFill>
+                <a:schemeClr val="tx1"/>
+              </a:solidFill>
+              <a:sym typeface="+mn-ea"/>
+            </a:endParaRPr>
           </a:p>
           <a:p>
             <a:pPr marL="168275" lvl="1" indent="0">
@@ -12064,6 +12232,7 @@
               <a:rPr lang="zh-CN" altLang="en-US" dirty="0" smtClean="0"/>
               <a:t>节）</a:t>
             </a:r>
+            <a:endParaRPr lang="zh-CN" altLang="en-US" dirty="0" smtClean="0"/>
           </a:p>
         </p:txBody>
       </p:sp>
@@ -12110,6 +12279,13 @@
               </a:rPr>
               <a:t>demo06</a:t>
             </a:r>
+            <a:endParaRPr lang="en-US" altLang="zh-CN" sz="2200">
+              <a:solidFill>
+                <a:srgbClr val="FF0000"/>
+              </a:solidFill>
+              <a:latin typeface="+mn-ea"/>
+              <a:ea typeface="+mn-ea"/>
+            </a:endParaRPr>
           </a:p>
         </p:txBody>
       </p:sp>
@@ -12156,6 +12332,13 @@
               </a:rPr>
               <a:t>demo07</a:t>
             </a:r>
+            <a:endParaRPr lang="en-US" altLang="zh-CN" sz="2200">
+              <a:solidFill>
+                <a:srgbClr val="FF0000"/>
+              </a:solidFill>
+              <a:latin typeface="+mn-ea"/>
+              <a:ea typeface="+mn-ea"/>
+            </a:endParaRPr>
           </a:p>
         </p:txBody>
       </p:sp>
@@ -12202,6 +12385,13 @@
               </a:rPr>
               <a:t>demo08</a:t>
             </a:r>
+            <a:endParaRPr lang="en-US" altLang="zh-CN" sz="2200">
+              <a:solidFill>
+                <a:srgbClr val="FF0000"/>
+              </a:solidFill>
+              <a:latin typeface="+mn-ea"/>
+              <a:ea typeface="+mn-ea"/>
+            </a:endParaRPr>
           </a:p>
         </p:txBody>
       </p:sp>
@@ -12369,6 +12559,13 @@
               </a:rPr>
               <a:t>20};</a:t>
             </a:r>
+            <a:endParaRPr lang="en-US" altLang="zh-CN" sz="2000" dirty="0">
+              <a:solidFill>
+                <a:schemeClr val="tx1"/>
+              </a:solidFill>
+              <a:cs typeface="+mn-ea"/>
+              <a:sym typeface="+mn-ea"/>
+            </a:endParaRPr>
           </a:p>
           <a:p>
             <a:pPr>
@@ -12442,6 +12639,13 @@
               </a:rPr>
               <a:t>[1,2,true,“Hi”];</a:t>
             </a:r>
+            <a:endParaRPr lang="en-US" sz="2000" dirty="0">
+              <a:solidFill>
+                <a:schemeClr val="tx1"/>
+              </a:solidFill>
+              <a:cs typeface="+mn-ea"/>
+              <a:sym typeface="+mn-ea"/>
+            </a:endParaRPr>
           </a:p>
           <a:p>
             <a:pPr>
@@ -12458,15 +12662,6 @@
               </a:rPr>
               <a:t>函数对象</a:t>
             </a:r>
-            <a:r>
-              <a:rPr lang="zh-CN" altLang="en-US" sz="3200" dirty="0">
-                <a:solidFill>
-                  <a:schemeClr val="tx1"/>
-                </a:solidFill>
-                <a:sym typeface="+mn-ea"/>
-              </a:rPr>
-              <a:t/>
-            </a:r>
             <a:br>
               <a:rPr lang="zh-CN" altLang="en-US" sz="3200" dirty="0">
                 <a:solidFill>
@@ -12524,6 +12719,13 @@
               </a:rPr>
               <a:t>函数也是对象（可执行的对象），也有属性和方法</a:t>
             </a:r>
+            <a:endParaRPr lang="zh-CN" altLang="en-US" sz="2000" dirty="0">
+              <a:solidFill>
+                <a:schemeClr val="tx1"/>
+              </a:solidFill>
+              <a:cs typeface="+mn-ea"/>
+              <a:sym typeface="+mn-ea"/>
+            </a:endParaRPr>
           </a:p>
           <a:p>
             <a:pPr>
@@ -12714,6 +12916,13 @@
               </a:rPr>
               <a:t>demo09</a:t>
             </a:r>
+            <a:endParaRPr lang="en-US" altLang="zh-CN" sz="2200">
+              <a:solidFill>
+                <a:srgbClr val="FF0000"/>
+              </a:solidFill>
+              <a:latin typeface="+mn-ea"/>
+              <a:ea typeface="+mn-ea"/>
+            </a:endParaRPr>
           </a:p>
         </p:txBody>
       </p:sp>
@@ -13066,10 +13275,9 @@
       </a:lstStyle>
     </a:lnDef>
   </a:objectDefaults>
-  <a:extraClrSchemeLst/>
   <a:extLst>
     <a:ext uri="{05A4C25C-085E-4340-85A3-A5531E510DB2}">
-      <thm15:themeFamily xmlns:thm15="http://schemas.microsoft.com/office/thememl/2012/main" xmlns="" name="Office Theme" id="{62F939B6-93AF-4DB8-9C6B-D6C7DFDC589F}" vid="{4A3C46E8-61CC-4603-A589-7422A47A8E4A}"/>
+      <thm15:themeFamily xmlns:thm15="http://schemas.microsoft.com/office/thememl/2012/main" name="Office Theme" id="{62F939B6-93AF-4DB8-9C6B-D6C7DFDC589F}" vid="{4A3C46E8-61CC-4603-A589-7422A47A8E4A}"/>
     </a:ext>
   </a:extLst>
 </a:theme>
@@ -13353,11 +13561,9 @@
       </a:bgFillStyleLst>
     </a:fmtScheme>
   </a:themeElements>
-  <a:objectDefaults/>
-  <a:extraClrSchemeLst/>
   <a:extLst>
     <a:ext uri="{05A4C25C-085E-4340-85A3-A5531E510DB2}">
-      <thm15:themeFamily xmlns:thm15="http://schemas.microsoft.com/office/thememl/2012/main" xmlns="" name="Office Theme" id="{62F939B6-93AF-4DB8-9C6B-D6C7DFDC589F}" vid="{4A3C46E8-61CC-4603-A589-7422A47A8E4A}"/>
+      <thm15:themeFamily xmlns:thm15="http://schemas.microsoft.com/office/thememl/2012/main" name="Office Theme" id="{62F939B6-93AF-4DB8-9C6B-D6C7DFDC589F}" vid="{4A3C46E8-61CC-4603-A589-7422A47A8E4A}"/>
     </a:ext>
   </a:extLst>
 </a:theme>

--- a/课程PPT/02.JS数据类型、值与类型转换.pptx
+++ b/课程PPT/02.JS数据类型、值与类型转换.pptx
@@ -3842,7 +3842,7 @@
                 </a:solidFill>
                 <a:sym typeface="+mn-ea"/>
               </a:rPr>
-              <a:t>临时对象已释放，</a:t>
+              <a:t>临时对象已释放，再输出</a:t>
             </a:r>
             <a:r>
               <a:rPr lang="en-US" altLang="zh-CN" sz="2000" dirty="0">
@@ -3852,6 +3852,15 @@
                 <a:sym typeface="+mn-ea"/>
               </a:rPr>
               <a:t>t</a:t>
+            </a:r>
+            <a:r>
+              <a:rPr lang="zh-CN" altLang="en-US" sz="2000" dirty="0">
+                <a:solidFill>
+                  <a:schemeClr val="tx1"/>
+                </a:solidFill>
+                <a:sym typeface="+mn-ea"/>
+              </a:rPr>
+              <a:t>时</a:t>
             </a:r>
             <a:r>
               <a:rPr lang="zh-CN" altLang="en-US" sz="2000" dirty="0">

--- a/课程PPT/02.JS数据类型、值与类型转换.pptx
+++ b/课程PPT/02.JS数据类型、值与类型转换.pptx
@@ -3860,16 +3860,7 @@
                 </a:solidFill>
                 <a:sym typeface="+mn-ea"/>
               </a:rPr>
-              <a:t>时</a:t>
-            </a:r>
-            <a:r>
-              <a:rPr lang="zh-CN" altLang="en-US" sz="2000" dirty="0">
-                <a:solidFill>
-                  <a:schemeClr val="tx1"/>
-                </a:solidFill>
-                <a:sym typeface="+mn-ea"/>
-              </a:rPr>
-              <a:t>为</a:t>
+              <a:t>时为</a:t>
             </a:r>
             <a:r>
               <a:rPr lang="en-US" altLang="zh-CN" sz="2000" dirty="0">
@@ -6783,8 +6774,8 @@
           <a:p>
             <a:pPr algn="ctr" eaLnBrk="1" hangingPunct="1"/>
             <a:r>
-              <a:rPr lang="en-US" altLang="zh-CN" sz="5400"/>
-              <a:t>Have a</a:t>
+              <a:rPr lang="zh-CN" altLang="en-US" sz="5400"/>
+              <a:t>Thank</a:t>
             </a:r>
             <a:r>
               <a:rPr lang="en-US" altLang="zh-CN" sz="5400">
@@ -6792,7 +6783,7 @@
                   <a:schemeClr val="accent3"/>
                 </a:solidFill>
               </a:rPr>
-              <a:t> Break</a:t>
+              <a:t> You</a:t>
             </a:r>
             <a:r>
               <a:rPr lang="zh-CN" altLang="en-US" sz="5400"/>
@@ -8736,7 +8727,7 @@
                   <a:schemeClr val="tx1"/>
                 </a:solidFill>
               </a:rPr>
-              <a:t>JavaScript</a:t>
+              <a:t>JS</a:t>
             </a:r>
             <a:r>
               <a:rPr lang="zh-CN" altLang="en-US" sz="3200" dirty="0">
@@ -8825,11 +8816,20 @@
             <a:r>
               <a:rPr lang="zh-CN" altLang="en-US" sz="2000" dirty="0">
                 <a:solidFill>
-                  <a:schemeClr val="tx1"/>
-                </a:solidFill>
-                <a:sym typeface="+mn-ea"/>
-              </a:rPr>
-              <a:t>基本（原始）类型（</a:t>
+                  <a:srgbClr val="FF0000"/>
+                </a:solidFill>
+                <a:sym typeface="+mn-ea"/>
+              </a:rPr>
+              <a:t>基本（原始）</a:t>
+            </a:r>
+            <a:r>
+              <a:rPr lang="zh-CN" altLang="en-US" sz="2000" dirty="0">
+                <a:solidFill>
+                  <a:schemeClr val="tx1"/>
+                </a:solidFill>
+                <a:sym typeface="+mn-ea"/>
+              </a:rPr>
+              <a:t>类型（</a:t>
             </a:r>
             <a:r>
               <a:rPr lang="en-US" altLang="zh-CN" sz="2000" dirty="0">
@@ -8941,11 +8941,20 @@
             <a:r>
               <a:rPr lang="zh-CN" altLang="en-US" sz="2000" dirty="0">
                 <a:solidFill>
-                  <a:schemeClr val="tx1"/>
-                </a:solidFill>
-                <a:sym typeface="+mn-ea"/>
-              </a:rPr>
-              <a:t>引用（对象）类型（</a:t>
+                  <a:srgbClr val="FF0000"/>
+                </a:solidFill>
+                <a:sym typeface="+mn-ea"/>
+              </a:rPr>
+              <a:t>引用（对象）</a:t>
+            </a:r>
+            <a:r>
+              <a:rPr lang="zh-CN" altLang="en-US" sz="2000" dirty="0">
+                <a:solidFill>
+                  <a:schemeClr val="tx1"/>
+                </a:solidFill>
+                <a:sym typeface="+mn-ea"/>
+              </a:rPr>
+              <a:t>类型（</a:t>
             </a:r>
             <a:r>
               <a:rPr lang="en-US" altLang="zh-CN" sz="2000" dirty="0">
@@ -9229,7 +9238,7 @@
           <a:p>
             <a:r>
               <a:rPr lang="zh-CN" altLang="en-US" dirty="0" smtClean="0"/>
-              <a:t>数据类型（参考</a:t>
+              <a:t>数据类型（参见</a:t>
             </a:r>
             <a:r>
               <a:rPr lang="zh-CN" altLang="en-US" dirty="0" smtClean="0">
@@ -9520,7 +9529,7 @@
                             </p:stCondLst>
                             <p:childTnLst>
                               <p:par>
-                                <p:cTn id="5" presetID="2" presetClass="entr" presetSubtype="4" fill="hold" grpId="0" nodeType="clickEffect">
+                                <p:cTn id="5" presetID="2" presetClass="entr" presetSubtype="4" fill="hold" nodeType="clickEffect">
                                   <p:stCondLst>
                                     <p:cond delay="0"/>
                                   </p:stCondLst>
@@ -9528,6 +9537,200 @@
                                     <p:set>
                                       <p:cBhvr>
                                         <p:cTn id="6" dur="1" fill="hold">
+                                          <p:stCondLst>
+                                            <p:cond delay="0"/>
+                                          </p:stCondLst>
+                                        </p:cTn>
+                                        <p:tgtEl>
+                                          <p:spTgt spid="2">
+                                            <p:txEl>
+                                              <p:pRg st="0" end="0"/>
+                                            </p:txEl>
+                                          </p:spTgt>
+                                        </p:tgtEl>
+                                        <p:attrNameLst>
+                                          <p:attrName>style.visibility</p:attrName>
+                                        </p:attrNameLst>
+                                      </p:cBhvr>
+                                      <p:to>
+                                        <p:strVal val="visible"/>
+                                      </p:to>
+                                    </p:set>
+                                    <p:anim calcmode="lin" valueType="num">
+                                      <p:cBhvr additive="base">
+                                        <p:cTn id="7" dur="500" fill="hold"/>
+                                        <p:tgtEl>
+                                          <p:spTgt spid="2">
+                                            <p:txEl>
+                                              <p:pRg st="0" end="0"/>
+                                            </p:txEl>
+                                          </p:spTgt>
+                                        </p:tgtEl>
+                                        <p:attrNameLst>
+                                          <p:attrName>ppt_x</p:attrName>
+                                        </p:attrNameLst>
+                                      </p:cBhvr>
+                                      <p:tavLst>
+                                        <p:tav tm="0">
+                                          <p:val>
+                                            <p:strVal val="#ppt_x"/>
+                                          </p:val>
+                                        </p:tav>
+                                        <p:tav tm="100000">
+                                          <p:val>
+                                            <p:strVal val="#ppt_x"/>
+                                          </p:val>
+                                        </p:tav>
+                                      </p:tavLst>
+                                    </p:anim>
+                                    <p:anim calcmode="lin" valueType="num">
+                                      <p:cBhvr additive="base">
+                                        <p:cTn id="8" dur="500" fill="hold"/>
+                                        <p:tgtEl>
+                                          <p:spTgt spid="2">
+                                            <p:txEl>
+                                              <p:pRg st="0" end="0"/>
+                                            </p:txEl>
+                                          </p:spTgt>
+                                        </p:tgtEl>
+                                        <p:attrNameLst>
+                                          <p:attrName>ppt_y</p:attrName>
+                                        </p:attrNameLst>
+                                      </p:cBhvr>
+                                      <p:tavLst>
+                                        <p:tav tm="0">
+                                          <p:val>
+                                            <p:strVal val="1+#ppt_h/2"/>
+                                          </p:val>
+                                        </p:tav>
+                                        <p:tav tm="100000">
+                                          <p:val>
+                                            <p:strVal val="#ppt_y"/>
+                                          </p:val>
+                                        </p:tav>
+                                      </p:tavLst>
+                                    </p:anim>
+                                  </p:childTnLst>
+                                </p:cTn>
+                              </p:par>
+                            </p:childTnLst>
+                          </p:cTn>
+                        </p:par>
+                      </p:childTnLst>
+                    </p:cTn>
+                  </p:par>
+                  <p:par>
+                    <p:cTn id="9" fill="hold">
+                      <p:stCondLst>
+                        <p:cond delay="indefinite"/>
+                      </p:stCondLst>
+                      <p:childTnLst>
+                        <p:par>
+                          <p:cTn id="10" fill="hold">
+                            <p:stCondLst>
+                              <p:cond delay="0"/>
+                            </p:stCondLst>
+                            <p:childTnLst>
+                              <p:par>
+                                <p:cTn id="11" presetID="2" presetClass="entr" presetSubtype="4" fill="hold" nodeType="clickEffect">
+                                  <p:stCondLst>
+                                    <p:cond delay="0"/>
+                                  </p:stCondLst>
+                                  <p:childTnLst>
+                                    <p:set>
+                                      <p:cBhvr>
+                                        <p:cTn id="12" dur="1" fill="hold">
+                                          <p:stCondLst>
+                                            <p:cond delay="0"/>
+                                          </p:stCondLst>
+                                        </p:cTn>
+                                        <p:tgtEl>
+                                          <p:spTgt spid="6"/>
+                                        </p:tgtEl>
+                                        <p:attrNameLst>
+                                          <p:attrName>style.visibility</p:attrName>
+                                        </p:attrNameLst>
+                                      </p:cBhvr>
+                                      <p:to>
+                                        <p:strVal val="visible"/>
+                                      </p:to>
+                                    </p:set>
+                                    <p:anim calcmode="lin" valueType="num">
+                                      <p:cBhvr additive="base">
+                                        <p:cTn id="13" dur="500" fill="hold"/>
+                                        <p:tgtEl>
+                                          <p:spTgt spid="6"/>
+                                        </p:tgtEl>
+                                        <p:attrNameLst>
+                                          <p:attrName>ppt_x</p:attrName>
+                                        </p:attrNameLst>
+                                      </p:cBhvr>
+                                      <p:tavLst>
+                                        <p:tav tm="0">
+                                          <p:val>
+                                            <p:strVal val="#ppt_x"/>
+                                          </p:val>
+                                        </p:tav>
+                                        <p:tav tm="100000">
+                                          <p:val>
+                                            <p:strVal val="#ppt_x"/>
+                                          </p:val>
+                                        </p:tav>
+                                      </p:tavLst>
+                                    </p:anim>
+                                    <p:anim calcmode="lin" valueType="num">
+                                      <p:cBhvr additive="base">
+                                        <p:cTn id="14" dur="500" fill="hold"/>
+                                        <p:tgtEl>
+                                          <p:spTgt spid="6"/>
+                                        </p:tgtEl>
+                                        <p:attrNameLst>
+                                          <p:attrName>ppt_y</p:attrName>
+                                        </p:attrNameLst>
+                                      </p:cBhvr>
+                                      <p:tavLst>
+                                        <p:tav tm="0">
+                                          <p:val>
+                                            <p:strVal val="1+#ppt_h/2"/>
+                                          </p:val>
+                                        </p:tav>
+                                        <p:tav tm="100000">
+                                          <p:val>
+                                            <p:strVal val="#ppt_y"/>
+                                          </p:val>
+                                        </p:tav>
+                                      </p:tavLst>
+                                    </p:anim>
+                                  </p:childTnLst>
+                                </p:cTn>
+                              </p:par>
+                            </p:childTnLst>
+                          </p:cTn>
+                        </p:par>
+                      </p:childTnLst>
+                    </p:cTn>
+                  </p:par>
+                  <p:par>
+                    <p:cTn id="15" fill="hold">
+                      <p:stCondLst>
+                        <p:cond delay="indefinite"/>
+                      </p:stCondLst>
+                      <p:childTnLst>
+                        <p:par>
+                          <p:cTn id="16" fill="hold">
+                            <p:stCondLst>
+                              <p:cond delay="0"/>
+                            </p:stCondLst>
+                            <p:childTnLst>
+                              <p:par>
+                                <p:cTn id="17" presetID="2" presetClass="entr" presetSubtype="4" fill="hold" grpId="0" nodeType="clickEffect">
+                                  <p:stCondLst>
+                                    <p:cond delay="0"/>
+                                  </p:stCondLst>
+                                  <p:childTnLst>
+                                    <p:set>
+                                      <p:cBhvr>
+                                        <p:cTn id="18" dur="1" fill="hold">
                                           <p:stCondLst>
                                             <p:cond delay="0"/>
                                           </p:stCondLst>
@@ -9545,7 +9748,7 @@
                                     </p:set>
                                     <p:anim calcmode="lin" valueType="num">
                                       <p:cBhvr additive="base">
-                                        <p:cTn id="7" dur="500" fill="hold"/>
+                                        <p:cTn id="19" dur="500" fill="hold"/>
                                         <p:tgtEl>
                                           <p:spTgt spid="5"/>
                                         </p:tgtEl>
@@ -9568,7 +9771,7 @@
                                     </p:anim>
                                     <p:anim calcmode="lin" valueType="num">
                                       <p:cBhvr additive="base">
-                                        <p:cTn id="8" dur="500" fill="hold"/>
+                                        <p:cTn id="20" dur="500" fill="hold"/>
                                         <p:tgtEl>
                                           <p:spTgt spid="5"/>
                                         </p:tgtEl>
@@ -9593,14 +9796,14 @@
                                 </p:cTn>
                               </p:par>
                               <p:par>
-                                <p:cTn id="9" presetID="2" presetClass="entr" presetSubtype="4" fill="hold" grpId="0" nodeType="withEffect">
+                                <p:cTn id="21" presetID="2" presetClass="entr" presetSubtype="4" fill="hold" grpId="0" nodeType="withEffect">
                                   <p:stCondLst>
                                     <p:cond delay="0"/>
                                   </p:stCondLst>
                                   <p:childTnLst>
                                     <p:set>
                                       <p:cBhvr>
-                                        <p:cTn id="10" dur="1" fill="hold">
+                                        <p:cTn id="22" dur="1" fill="hold">
                                           <p:stCondLst>
                                             <p:cond delay="0"/>
                                           </p:stCondLst>
@@ -9618,7 +9821,7 @@
                                     </p:set>
                                     <p:anim calcmode="lin" valueType="num">
                                       <p:cBhvr additive="base">
-                                        <p:cTn id="11" dur="500" fill="hold"/>
+                                        <p:cTn id="23" dur="500" fill="hold"/>
                                         <p:tgtEl>
                                           <p:spTgt spid="4"/>
                                         </p:tgtEl>
@@ -9641,9 +9844,276 @@
                                     </p:anim>
                                     <p:anim calcmode="lin" valueType="num">
                                       <p:cBhvr additive="base">
-                                        <p:cTn id="12" dur="500" fill="hold"/>
+                                        <p:cTn id="24" dur="500" fill="hold"/>
                                         <p:tgtEl>
                                           <p:spTgt spid="4"/>
+                                        </p:tgtEl>
+                                        <p:attrNameLst>
+                                          <p:attrName>ppt_y</p:attrName>
+                                        </p:attrNameLst>
+                                      </p:cBhvr>
+                                      <p:tavLst>
+                                        <p:tav tm="0">
+                                          <p:val>
+                                            <p:strVal val="1+#ppt_h/2"/>
+                                          </p:val>
+                                        </p:tav>
+                                        <p:tav tm="100000">
+                                          <p:val>
+                                            <p:strVal val="#ppt_y"/>
+                                          </p:val>
+                                        </p:tav>
+                                      </p:tavLst>
+                                    </p:anim>
+                                  </p:childTnLst>
+                                </p:cTn>
+                              </p:par>
+                            </p:childTnLst>
+                          </p:cTn>
+                        </p:par>
+                      </p:childTnLst>
+                    </p:cTn>
+                  </p:par>
+                  <p:par>
+                    <p:cTn id="25" fill="hold">
+                      <p:stCondLst>
+                        <p:cond delay="indefinite"/>
+                      </p:stCondLst>
+                      <p:childTnLst>
+                        <p:par>
+                          <p:cTn id="26" fill="hold">
+                            <p:stCondLst>
+                              <p:cond delay="0"/>
+                            </p:stCondLst>
+                            <p:childTnLst>
+                              <p:par>
+                                <p:cTn id="27" presetID="2" presetClass="entr" presetSubtype="4" fill="hold" nodeType="clickEffect">
+                                  <p:stCondLst>
+                                    <p:cond delay="0"/>
+                                  </p:stCondLst>
+                                  <p:childTnLst>
+                                    <p:set>
+                                      <p:cBhvr>
+                                        <p:cTn id="28" dur="1" fill="hold">
+                                          <p:stCondLst>
+                                            <p:cond delay="0"/>
+                                          </p:stCondLst>
+                                        </p:cTn>
+                                        <p:tgtEl>
+                                          <p:spTgt spid="2">
+                                            <p:txEl>
+                                              <p:pRg st="7" end="7"/>
+                                            </p:txEl>
+                                          </p:spTgt>
+                                        </p:tgtEl>
+                                        <p:attrNameLst>
+                                          <p:attrName>style.visibility</p:attrName>
+                                        </p:attrNameLst>
+                                      </p:cBhvr>
+                                      <p:to>
+                                        <p:strVal val="visible"/>
+                                      </p:to>
+                                    </p:set>
+                                    <p:anim calcmode="lin" valueType="num">
+                                      <p:cBhvr additive="base">
+                                        <p:cTn id="29" dur="500" fill="hold"/>
+                                        <p:tgtEl>
+                                          <p:spTgt spid="2">
+                                            <p:txEl>
+                                              <p:pRg st="7" end="7"/>
+                                            </p:txEl>
+                                          </p:spTgt>
+                                        </p:tgtEl>
+                                        <p:attrNameLst>
+                                          <p:attrName>ppt_x</p:attrName>
+                                        </p:attrNameLst>
+                                      </p:cBhvr>
+                                      <p:tavLst>
+                                        <p:tav tm="0">
+                                          <p:val>
+                                            <p:strVal val="#ppt_x"/>
+                                          </p:val>
+                                        </p:tav>
+                                        <p:tav tm="100000">
+                                          <p:val>
+                                            <p:strVal val="#ppt_x"/>
+                                          </p:val>
+                                        </p:tav>
+                                      </p:tavLst>
+                                    </p:anim>
+                                    <p:anim calcmode="lin" valueType="num">
+                                      <p:cBhvr additive="base">
+                                        <p:cTn id="30" dur="500" fill="hold"/>
+                                        <p:tgtEl>
+                                          <p:spTgt spid="2">
+                                            <p:txEl>
+                                              <p:pRg st="7" end="7"/>
+                                            </p:txEl>
+                                          </p:spTgt>
+                                        </p:tgtEl>
+                                        <p:attrNameLst>
+                                          <p:attrName>ppt_y</p:attrName>
+                                        </p:attrNameLst>
+                                      </p:cBhvr>
+                                      <p:tavLst>
+                                        <p:tav tm="0">
+                                          <p:val>
+                                            <p:strVal val="1+#ppt_h/2"/>
+                                          </p:val>
+                                        </p:tav>
+                                        <p:tav tm="100000">
+                                          <p:val>
+                                            <p:strVal val="#ppt_y"/>
+                                          </p:val>
+                                        </p:tav>
+                                      </p:tavLst>
+                                    </p:anim>
+                                  </p:childTnLst>
+                                </p:cTn>
+                              </p:par>
+                            </p:childTnLst>
+                          </p:cTn>
+                        </p:par>
+                      </p:childTnLst>
+                    </p:cTn>
+                  </p:par>
+                  <p:par>
+                    <p:cTn id="31" fill="hold">
+                      <p:stCondLst>
+                        <p:cond delay="indefinite"/>
+                      </p:stCondLst>
+                      <p:childTnLst>
+                        <p:par>
+                          <p:cTn id="32" fill="hold">
+                            <p:stCondLst>
+                              <p:cond delay="0"/>
+                            </p:stCondLst>
+                            <p:childTnLst>
+                              <p:par>
+                                <p:cTn id="33" presetID="2" presetClass="entr" presetSubtype="4" fill="hold" grpId="0" nodeType="clickEffect">
+                                  <p:stCondLst>
+                                    <p:cond delay="0"/>
+                                  </p:stCondLst>
+                                  <p:childTnLst>
+                                    <p:set>
+                                      <p:cBhvr>
+                                        <p:cTn id="34" dur="1" fill="hold">
+                                          <p:stCondLst>
+                                            <p:cond delay="0"/>
+                                          </p:stCondLst>
+                                        </p:cTn>
+                                        <p:tgtEl>
+                                          <p:spTgt spid="7"/>
+                                        </p:tgtEl>
+                                        <p:attrNameLst>
+                                          <p:attrName>style.visibility</p:attrName>
+                                        </p:attrNameLst>
+                                      </p:cBhvr>
+                                      <p:to>
+                                        <p:strVal val="visible"/>
+                                      </p:to>
+                                    </p:set>
+                                    <p:anim calcmode="lin" valueType="num">
+                                      <p:cBhvr additive="base">
+                                        <p:cTn id="35" dur="500" fill="hold"/>
+                                        <p:tgtEl>
+                                          <p:spTgt spid="7"/>
+                                        </p:tgtEl>
+                                        <p:attrNameLst>
+                                          <p:attrName>ppt_x</p:attrName>
+                                        </p:attrNameLst>
+                                      </p:cBhvr>
+                                      <p:tavLst>
+                                        <p:tav tm="0">
+                                          <p:val>
+                                            <p:strVal val="#ppt_x"/>
+                                          </p:val>
+                                        </p:tav>
+                                        <p:tav tm="100000">
+                                          <p:val>
+                                            <p:strVal val="#ppt_x"/>
+                                          </p:val>
+                                        </p:tav>
+                                      </p:tavLst>
+                                    </p:anim>
+                                    <p:anim calcmode="lin" valueType="num">
+                                      <p:cBhvr additive="base">
+                                        <p:cTn id="36" dur="500" fill="hold"/>
+                                        <p:tgtEl>
+                                          <p:spTgt spid="7"/>
+                                        </p:tgtEl>
+                                        <p:attrNameLst>
+                                          <p:attrName>ppt_y</p:attrName>
+                                        </p:attrNameLst>
+                                      </p:cBhvr>
+                                      <p:tavLst>
+                                        <p:tav tm="0">
+                                          <p:val>
+                                            <p:strVal val="1+#ppt_h/2"/>
+                                          </p:val>
+                                        </p:tav>
+                                        <p:tav tm="100000">
+                                          <p:val>
+                                            <p:strVal val="#ppt_y"/>
+                                          </p:val>
+                                        </p:tav>
+                                      </p:tavLst>
+                                    </p:anim>
+                                  </p:childTnLst>
+                                </p:cTn>
+                              </p:par>
+                              <p:par>
+                                <p:cTn id="37" presetID="2" presetClass="entr" presetSubtype="4" fill="hold" grpId="0" nodeType="withEffect">
+                                  <p:stCondLst>
+                                    <p:cond delay="0"/>
+                                  </p:stCondLst>
+                                  <p:childTnLst>
+                                    <p:set>
+                                      <p:cBhvr>
+                                        <p:cTn id="38" dur="1" fill="hold">
+                                          <p:stCondLst>
+                                            <p:cond delay="0"/>
+                                          </p:stCondLst>
+                                        </p:cTn>
+                                        <p:tgtEl>
+                                          <p:spTgt spid="8"/>
+                                        </p:tgtEl>
+                                        <p:attrNameLst>
+                                          <p:attrName>style.visibility</p:attrName>
+                                        </p:attrNameLst>
+                                      </p:cBhvr>
+                                      <p:to>
+                                        <p:strVal val="visible"/>
+                                      </p:to>
+                                    </p:set>
+                                    <p:anim calcmode="lin" valueType="num">
+                                      <p:cBhvr additive="base">
+                                        <p:cTn id="39" dur="500" fill="hold"/>
+                                        <p:tgtEl>
+                                          <p:spTgt spid="8"/>
+                                        </p:tgtEl>
+                                        <p:attrNameLst>
+                                          <p:attrName>ppt_x</p:attrName>
+                                        </p:attrNameLst>
+                                      </p:cBhvr>
+                                      <p:tavLst>
+                                        <p:tav tm="0">
+                                          <p:val>
+                                            <p:strVal val="#ppt_x"/>
+                                          </p:val>
+                                        </p:tav>
+                                        <p:tav tm="100000">
+                                          <p:val>
+                                            <p:strVal val="#ppt_x"/>
+                                          </p:val>
+                                        </p:tav>
+                                      </p:tavLst>
+                                    </p:anim>
+                                    <p:anim calcmode="lin" valueType="num">
+                                      <p:cBhvr additive="base">
+                                        <p:cTn id="40" dur="500" fill="hold"/>
+                                        <p:tgtEl>
+                                          <p:spTgt spid="8"/>
                                         </p:tgtEl>
                                         <p:attrNameLst>
                                           <p:attrName>ppt_y</p:attrName>
@@ -9695,6 +10165,8 @@
     <p:bldLst>
       <p:bldP spid="4" grpId="0"/>
       <p:bldP spid="5" grpId="0"/>
+      <p:bldP spid="7" grpId="0"/>
+      <p:bldP spid="8" grpId="0"/>
     </p:bldLst>
   </p:timing>
 </p:sld>
@@ -10113,9 +10585,209 @@
   <p:timing>
     <p:tnLst>
       <p:par>
-        <p:cTn id="1" dur="indefinite" restart="never" nodeType="tmRoot"/>
+        <p:cTn id="1" dur="indefinite" restart="never" nodeType="tmRoot">
+          <p:childTnLst>
+            <p:seq concurrent="1" nextAc="seek">
+              <p:cTn id="2" dur="indefinite" nodeType="mainSeq">
+                <p:childTnLst>
+                  <p:par>
+                    <p:cTn id="3" fill="hold">
+                      <p:stCondLst>
+                        <p:cond delay="indefinite"/>
+                      </p:stCondLst>
+                      <p:childTnLst>
+                        <p:par>
+                          <p:cTn id="4" fill="hold">
+                            <p:stCondLst>
+                              <p:cond delay="0"/>
+                            </p:stCondLst>
+                            <p:childTnLst>
+                              <p:par>
+                                <p:cTn id="5" presetID="2" presetClass="entr" presetSubtype="4" fill="hold" grpId="0" nodeType="clickEffect">
+                                  <p:stCondLst>
+                                    <p:cond delay="0"/>
+                                  </p:stCondLst>
+                                  <p:childTnLst>
+                                    <p:set>
+                                      <p:cBhvr>
+                                        <p:cTn id="6" dur="1" fill="hold">
+                                          <p:stCondLst>
+                                            <p:cond delay="0"/>
+                                          </p:stCondLst>
+                                        </p:cTn>
+                                        <p:tgtEl>
+                                          <p:spTgt spid="6"/>
+                                        </p:tgtEl>
+                                        <p:attrNameLst>
+                                          <p:attrName>style.visibility</p:attrName>
+                                        </p:attrNameLst>
+                                      </p:cBhvr>
+                                      <p:to>
+                                        <p:strVal val="visible"/>
+                                      </p:to>
+                                    </p:set>
+                                    <p:anim calcmode="lin" valueType="num">
+                                      <p:cBhvr additive="base">
+                                        <p:cTn id="7" dur="500" fill="hold"/>
+                                        <p:tgtEl>
+                                          <p:spTgt spid="6"/>
+                                        </p:tgtEl>
+                                        <p:attrNameLst>
+                                          <p:attrName>ppt_x</p:attrName>
+                                        </p:attrNameLst>
+                                      </p:cBhvr>
+                                      <p:tavLst>
+                                        <p:tav tm="0">
+                                          <p:val>
+                                            <p:strVal val="#ppt_x"/>
+                                          </p:val>
+                                        </p:tav>
+                                        <p:tav tm="100000">
+                                          <p:val>
+                                            <p:strVal val="#ppt_x"/>
+                                          </p:val>
+                                        </p:tav>
+                                      </p:tavLst>
+                                    </p:anim>
+                                    <p:anim calcmode="lin" valueType="num">
+                                      <p:cBhvr additive="base">
+                                        <p:cTn id="8" dur="500" fill="hold"/>
+                                        <p:tgtEl>
+                                          <p:spTgt spid="6"/>
+                                        </p:tgtEl>
+                                        <p:attrNameLst>
+                                          <p:attrName>ppt_y</p:attrName>
+                                        </p:attrNameLst>
+                                      </p:cBhvr>
+                                      <p:tavLst>
+                                        <p:tav tm="0">
+                                          <p:val>
+                                            <p:strVal val="1+#ppt_h/2"/>
+                                          </p:val>
+                                        </p:tav>
+                                        <p:tav tm="100000">
+                                          <p:val>
+                                            <p:strVal val="#ppt_y"/>
+                                          </p:val>
+                                        </p:tav>
+                                      </p:tavLst>
+                                    </p:anim>
+                                  </p:childTnLst>
+                                </p:cTn>
+                              </p:par>
+                            </p:childTnLst>
+                          </p:cTn>
+                        </p:par>
+                        <p:par>
+                          <p:cTn id="9" fill="hold">
+                            <p:stCondLst>
+                              <p:cond delay="500"/>
+                            </p:stCondLst>
+                            <p:childTnLst>
+                              <p:par>
+                                <p:cTn id="10" presetID="2" presetClass="entr" presetSubtype="4" fill="hold" grpId="0" nodeType="afterEffect">
+                                  <p:stCondLst>
+                                    <p:cond delay="0"/>
+                                  </p:stCondLst>
+                                  <p:childTnLst>
+                                    <p:set>
+                                      <p:cBhvr>
+                                        <p:cTn id="11" dur="1" fill="hold">
+                                          <p:stCondLst>
+                                            <p:cond delay="0"/>
+                                          </p:stCondLst>
+                                        </p:cTn>
+                                        <p:tgtEl>
+                                          <p:spTgt spid="5"/>
+                                        </p:tgtEl>
+                                        <p:attrNameLst>
+                                          <p:attrName>style.visibility</p:attrName>
+                                        </p:attrNameLst>
+                                      </p:cBhvr>
+                                      <p:to>
+                                        <p:strVal val="visible"/>
+                                      </p:to>
+                                    </p:set>
+                                    <p:anim calcmode="lin" valueType="num">
+                                      <p:cBhvr additive="base">
+                                        <p:cTn id="12" dur="500" fill="hold"/>
+                                        <p:tgtEl>
+                                          <p:spTgt spid="5"/>
+                                        </p:tgtEl>
+                                        <p:attrNameLst>
+                                          <p:attrName>ppt_x</p:attrName>
+                                        </p:attrNameLst>
+                                      </p:cBhvr>
+                                      <p:tavLst>
+                                        <p:tav tm="0">
+                                          <p:val>
+                                            <p:strVal val="#ppt_x"/>
+                                          </p:val>
+                                        </p:tav>
+                                        <p:tav tm="100000">
+                                          <p:val>
+                                            <p:strVal val="#ppt_x"/>
+                                          </p:val>
+                                        </p:tav>
+                                      </p:tavLst>
+                                    </p:anim>
+                                    <p:anim calcmode="lin" valueType="num">
+                                      <p:cBhvr additive="base">
+                                        <p:cTn id="13" dur="500" fill="hold"/>
+                                        <p:tgtEl>
+                                          <p:spTgt spid="5"/>
+                                        </p:tgtEl>
+                                        <p:attrNameLst>
+                                          <p:attrName>ppt_y</p:attrName>
+                                        </p:attrNameLst>
+                                      </p:cBhvr>
+                                      <p:tavLst>
+                                        <p:tav tm="0">
+                                          <p:val>
+                                            <p:strVal val="1+#ppt_h/2"/>
+                                          </p:val>
+                                        </p:tav>
+                                        <p:tav tm="100000">
+                                          <p:val>
+                                            <p:strVal val="#ppt_y"/>
+                                          </p:val>
+                                        </p:tav>
+                                      </p:tavLst>
+                                    </p:anim>
+                                  </p:childTnLst>
+                                </p:cTn>
+                              </p:par>
+                            </p:childTnLst>
+                          </p:cTn>
+                        </p:par>
+                      </p:childTnLst>
+                    </p:cTn>
+                  </p:par>
+                </p:childTnLst>
+              </p:cTn>
+              <p:prevCondLst>
+                <p:cond evt="onPrev" delay="0">
+                  <p:tgtEl>
+                    <p:sldTgt/>
+                  </p:tgtEl>
+                </p:cond>
+              </p:prevCondLst>
+              <p:nextCondLst>
+                <p:cond evt="onNext" delay="0">
+                  <p:tgtEl>
+                    <p:sldTgt/>
+                  </p:tgtEl>
+                </p:cond>
+              </p:nextCondLst>
+            </p:seq>
+          </p:childTnLst>
+        </p:cTn>
       </p:par>
     </p:tnLst>
+    <p:bldLst>
+      <p:bldP spid="6" grpId="0"/>
+      <p:bldP spid="5" grpId="0"/>
+    </p:bldLst>
   </p:timing>
 </p:sld>
 </file>
